--- a/Images/Figures_PPT/RhizariaHeatPlot.pptx
+++ b/Images/Figures_PPT/RhizariaHeatPlot.pptx
@@ -3586,7 +3586,7 @@
             </a:custGeom>
             <a:ln w="10840" cap="flat">
               <a:solidFill>
-                <a:srgbClr val="404880">
+                <a:srgbClr val="A9618C">
                   <a:alpha val="100000"/>
                 </a:srgbClr>
               </a:solidFill>
@@ -3626,7 +3626,7 @@
             </a:custGeom>
             <a:ln w="10840" cap="flat">
               <a:solidFill>
-                <a:srgbClr val="385C8C">
+                <a:srgbClr val="8373B4">
                   <a:alpha val="100000"/>
                 </a:srgbClr>
               </a:solidFill>
@@ -3666,7 +3666,7 @@
             </a:custGeom>
             <a:ln w="10840" cap="flat">
               <a:solidFill>
-                <a:srgbClr val="443572">
+                <a:srgbClr val="BB5270">
                   <a:alpha val="100000"/>
                 </a:srgbClr>
               </a:solidFill>
@@ -3706,7 +3706,7 @@
             </a:custGeom>
             <a:ln w="10840" cap="flat">
               <a:solidFill>
-                <a:srgbClr val="29AF7F">
+                <a:srgbClr val="B88100">
                   <a:alpha val="100000"/>
                 </a:srgbClr>
               </a:solidFill>
@@ -3746,7 +3746,7 @@
             </a:custGeom>
             <a:ln w="10840" cap="flat">
               <a:solidFill>
-                <a:srgbClr val="2E758E">
+                <a:srgbClr val="7182B7">
                   <a:alpha val="100000"/>
                 </a:srgbClr>
               </a:solidFill>
@@ -3786,7 +3786,7 @@
             </a:custGeom>
             <a:ln w="10840" cap="flat">
               <a:solidFill>
-                <a:srgbClr val="2DA283">
+                <a:srgbClr val="B1813C">
                   <a:alpha val="100000"/>
                 </a:srgbClr>
               </a:solidFill>
@@ -3826,7 +3826,7 @@
             </a:custGeom>
             <a:ln w="10840" cap="flat">
               <a:solidFill>
-                <a:srgbClr val="2D8D89">
+                <a:srgbClr val="9F8072">
                   <a:alpha val="100000"/>
                 </a:srgbClr>
               </a:solidFill>
@@ -3866,7 +3866,7 @@
             </a:custGeom>
             <a:ln w="10840" cap="flat">
               <a:solidFill>
-                <a:srgbClr val="2B858C">
+                <a:srgbClr val="958087">
                   <a:alpha val="100000"/>
                 </a:srgbClr>
               </a:solidFill>
@@ -3906,7 +3906,7 @@
             </a:custGeom>
             <a:ln w="10840" cap="flat">
               <a:solidFill>
-                <a:srgbClr val="440154">
+                <a:srgbClr val="D71D36">
                   <a:alpha val="100000"/>
                 </a:srgbClr>
               </a:solidFill>
@@ -3954,7 +3954,7 @@
               <a:r>
                 <a:rPr sz="569">
                   <a:solidFill>
-                    <a:srgbClr val="404880">
+                    <a:srgbClr val="A9618C">
                       <a:alpha val="100000"/>
                     </a:srgbClr>
                   </a:solidFill>
@@ -4000,7 +4000,7 @@
               <a:r>
                 <a:rPr sz="569">
                   <a:solidFill>
-                    <a:srgbClr val="385C8C">
+                    <a:srgbClr val="8373B4">
                       <a:alpha val="100000"/>
                     </a:srgbClr>
                   </a:solidFill>
@@ -4046,7 +4046,7 @@
               <a:r>
                 <a:rPr sz="569">
                   <a:solidFill>
-                    <a:srgbClr val="443572">
+                    <a:srgbClr val="BB5270">
                       <a:alpha val="100000"/>
                     </a:srgbClr>
                   </a:solidFill>
@@ -4092,7 +4092,7 @@
               <a:r>
                 <a:rPr sz="569">
                   <a:solidFill>
-                    <a:srgbClr val="29AF7F">
+                    <a:srgbClr val="B88100">
                       <a:alpha val="100000"/>
                     </a:srgbClr>
                   </a:solidFill>
@@ -4138,7 +4138,7 @@
               <a:r>
                 <a:rPr sz="569">
                   <a:solidFill>
-                    <a:srgbClr val="2E758E">
+                    <a:srgbClr val="7182B7">
                       <a:alpha val="100000"/>
                     </a:srgbClr>
                   </a:solidFill>
@@ -4184,7 +4184,7 @@
               <a:r>
                 <a:rPr sz="569">
                   <a:solidFill>
-                    <a:srgbClr val="2DA283">
+                    <a:srgbClr val="B1813C">
                       <a:alpha val="100000"/>
                     </a:srgbClr>
                   </a:solidFill>
@@ -4230,7 +4230,7 @@
               <a:r>
                 <a:rPr sz="569">
                   <a:solidFill>
-                    <a:srgbClr val="2D8D89">
+                    <a:srgbClr val="9F8072">
                       <a:alpha val="100000"/>
                     </a:srgbClr>
                   </a:solidFill>
@@ -4276,7 +4276,7 @@
               <a:r>
                 <a:rPr sz="569">
                   <a:solidFill>
-                    <a:srgbClr val="2B858C">
+                    <a:srgbClr val="958087">
                       <a:alpha val="100000"/>
                     </a:srgbClr>
                   </a:solidFill>
@@ -4322,7 +4322,7 @@
               <a:r>
                 <a:rPr sz="569">
                   <a:solidFill>
-                    <a:srgbClr val="440154">
+                    <a:srgbClr val="D71D36">
                       <a:alpha val="100000"/>
                     </a:srgbClr>
                   </a:solidFill>
